--- a/files/slides/lecture_2.pptx
+++ b/files/slides/lecture_2.pptx
@@ -7649,9 +7649,9 @@
         <p:grpSpPr>
           <a:xfrm>
             <a:off x="1397635" y="1469390"/>
-            <a:ext cx="9015413" cy="4356101"/>
+            <a:ext cx="9015413" cy="4356736"/>
             <a:chOff x="400" y="2195"/>
-            <a:chExt cx="14198" cy="6860"/>
+            <a:chExt cx="14198" cy="6861"/>
           </a:xfrm>
         </p:grpSpPr>
         <p:sp>
@@ -8697,7 +8697,58 @@
                 </a:rPr>
                 <a:t>某些企业不讲信用，就是因为拖欠银行贷款后往往可以受到某些行政管理部门的财政豁免、挂帐或债转股等政策的扶持，从而使其不能真正感受到失信所带来的成本损失。</a:t>
               </a:r>
-              <a:endParaRPr kumimoji="0" lang="zh-CN" altLang="en-US" sz="2000" b="0" i="0" u="none" strike="noStrike" kern="1200" cap="none" spc="0" normalizeH="0" baseline="0" noProof="0" dirty="0">
+              <a:r>
+                <a:rPr kumimoji="0" lang="" altLang="zh-CN" sz="2000" b="0" i="0" u="none" strike="noStrike" kern="1200" cap="none" spc="0" normalizeH="0" baseline="0" noProof="0" dirty="0">
+                  <a:ln>
+                    <a:noFill/>
+                  </a:ln>
+                  <a:solidFill>
+                    <a:srgbClr val="130401"/>
+                  </a:solidFill>
+                  <a:effectLst/>
+                  <a:uLnTx/>
+                  <a:uFillTx/>
+                  <a:latin typeface="微软雅黑" panose="020B0503020204020204" charset="-122"/>
+                  <a:ea typeface="微软雅黑" panose="020B0503020204020204" charset="-122"/>
+                  <a:cs typeface="+mn-ea"/>
+                </a:rPr>
+                <a:t>(</a:t>
+              </a:r>
+              <a:r>
+                <a:rPr kumimoji="0" lang="zh-CN" altLang="" sz="2000" b="0" i="0" u="none" strike="noStrike" kern="1200" cap="none" spc="0" normalizeH="0" baseline="0" noProof="0" dirty="0">
+                  <a:ln>
+                    <a:noFill/>
+                  </a:ln>
+                  <a:solidFill>
+                    <a:srgbClr val="130401"/>
+                  </a:solidFill>
+                  <a:effectLst/>
+                  <a:uLnTx/>
+                  <a:uFillTx/>
+                  <a:latin typeface="微软雅黑" panose="020B0503020204020204" charset="-122"/>
+                  <a:ea typeface="微软雅黑" panose="020B0503020204020204" charset="-122"/>
+                  <a:cs typeface="+mn-ea"/>
+                </a:rPr>
+                <a:t>恒大</a:t>
+              </a:r>
+              <a:r>
+                <a:rPr kumimoji="0" lang="" altLang="zh-CN" sz="2000" b="0" i="0" u="none" strike="noStrike" kern="1200" cap="none" spc="0" normalizeH="0" baseline="0" noProof="0" dirty="0">
+                  <a:ln>
+                    <a:noFill/>
+                  </a:ln>
+                  <a:solidFill>
+                    <a:srgbClr val="130401"/>
+                  </a:solidFill>
+                  <a:effectLst/>
+                  <a:uLnTx/>
+                  <a:uFillTx/>
+                  <a:latin typeface="微软雅黑" panose="020B0503020204020204" charset="-122"/>
+                  <a:ea typeface="微软雅黑" panose="020B0503020204020204" charset="-122"/>
+                  <a:cs typeface="+mn-ea"/>
+                </a:rPr>
+                <a:t>)</a:t>
+              </a:r>
+              <a:endParaRPr kumimoji="0" lang="" altLang="zh-CN" sz="2000" b="0" i="0" u="none" strike="noStrike" kern="1200" cap="none" spc="0" normalizeH="0" baseline="0" noProof="0" dirty="0">
                 <a:ln>
                   <a:noFill/>
                 </a:ln>
@@ -11049,18 +11100,7 @@
                   <a:ea typeface="微软雅黑" panose="020B0503020204020204" charset="-122"/>
                   <a:cs typeface="微软雅黑" panose="020B0503020204020204" charset="-122"/>
                 </a:rPr>
-                <a:t>企业不讲信用不是其最优策略；恰相反，其最优策略是讲信用，并防范交易对手不讲信用</a:t>
-              </a:r>
-              <a:r>
-                <a:rPr lang="zh-CN" altLang="en-US" sz="1800" dirty="0">
-                  <a:solidFill>
-                    <a:srgbClr val="FF0000"/>
-                  </a:solidFill>
-                  <a:latin typeface="微软雅黑" panose="020B0503020204020204" charset="-122"/>
-                  <a:ea typeface="微软雅黑" panose="020B0503020204020204" charset="-122"/>
-                  <a:cs typeface="微软雅黑" panose="020B0503020204020204" charset="-122"/>
-                </a:rPr>
-                <a:t>。</a:t>
+                <a:t>企业不讲信用不是其最优策略；恰相反，其最优策略是讲信用，并防范交易对手不讲信用。</a:t>
               </a:r>
               <a:endParaRPr lang="zh-CN" altLang="en-US" sz="1800" dirty="0">
                 <a:solidFill>
@@ -12756,9 +12796,9 @@
         <p:grpSpPr>
           <a:xfrm>
             <a:off x="3306378" y="1670050"/>
-            <a:ext cx="5986212" cy="4509135"/>
+            <a:ext cx="5240018" cy="4509135"/>
             <a:chOff x="3635" y="3238"/>
-            <a:chExt cx="8263" cy="6427"/>
+            <a:chExt cx="7233" cy="6427"/>
           </a:xfrm>
         </p:grpSpPr>
         <p:sp>
@@ -13120,8 +13160,8 @@
           </p:nvSpPr>
           <p:spPr>
             <a:xfrm rot="-4210156" flipH="true">
-              <a:off x="8543" y="6793"/>
-              <a:ext cx="1937" cy="610"/>
+              <a:off x="8415" y="7117"/>
+              <a:ext cx="2648" cy="305"/>
             </a:xfrm>
             <a:prstGeom prst="rect">
               <a:avLst/>
@@ -13132,7 +13172,7 @@
             </a:ln>
           </p:spPr>
           <p:txBody>
-            <a:bodyPr lIns="0" tIns="0" rIns="0" bIns="0" anchor="ctr" anchorCtr="false">
+            <a:bodyPr wrap="square" lIns="0" tIns="0" rIns="0" bIns="0" anchor="ctr" anchorCtr="false">
               <a:spAutoFit/>
             </a:bodyPr>
             <a:p>
@@ -13180,8 +13220,8 @@
           </p:nvSpPr>
           <p:spPr>
             <a:xfrm rot="4284696" flipH="true">
-              <a:off x="3378" y="6774"/>
-              <a:ext cx="2552" cy="991"/>
+              <a:off x="3154" y="7102"/>
+              <a:ext cx="2993" cy="305"/>
             </a:xfrm>
             <a:prstGeom prst="rect">
               <a:avLst/>
@@ -13192,7 +13232,7 @@
             </a:ln>
           </p:spPr>
           <p:txBody>
-            <a:bodyPr lIns="0" tIns="0" rIns="0" bIns="0" anchor="ctr" anchorCtr="false">
+            <a:bodyPr wrap="square" lIns="0" tIns="0" rIns="0" bIns="0" anchor="ctr" anchorCtr="false">
               <a:spAutoFit/>
             </a:bodyPr>
             <a:p>
@@ -13228,75 +13268,6 @@
                 <a:latin typeface="微软雅黑" panose="020B0503020204020204" charset="-122"/>
                 <a:ea typeface="微软雅黑" panose="020B0503020204020204" charset="-122"/>
                 <a:cs typeface="微软雅黑" panose="020B0503020204020204" charset="-122"/>
-              </a:endParaRPr>
-            </a:p>
-            <a:p>
-              <a:pPr eaLnBrk="0" hangingPunct="0">
-                <a:lnSpc>
-                  <a:spcPct val="80000"/>
-                </a:lnSpc>
-                <a:spcBef>
-                  <a:spcPct val="20000"/>
-                </a:spcBef>
-                <a:buClr>
-                  <a:schemeClr val="hlink"/>
-                </a:buClr>
-                <a:buFont typeface="Wingdings" panose="05000000000000000000" pitchFamily="2" charset="2"/>
-              </a:pPr>
-              <a:endParaRPr lang="zh-CN" altLang="en-US" b="1" dirty="0">
-                <a:latin typeface="微软雅黑" panose="020B0503020204020204" charset="-122"/>
-                <a:ea typeface="微软雅黑" panose="020B0503020204020204" charset="-122"/>
-                <a:cs typeface="微软雅黑" panose="020B0503020204020204" charset="-122"/>
-              </a:endParaRPr>
-            </a:p>
-          </p:txBody>
-        </p:sp>
-        <p:sp>
-          <p:nvSpPr>
-            <p:cNvPr id="47" name="Text Box 18"/>
-            <p:cNvSpPr txBox="true"/>
-            <p:nvPr/>
-          </p:nvSpPr>
-          <p:spPr>
-            <a:xfrm flipH="true">
-              <a:off x="9083" y="7809"/>
-              <a:ext cx="2815" cy="210"/>
-            </a:xfrm>
-            <a:prstGeom prst="rect">
-              <a:avLst/>
-            </a:prstGeom>
-            <a:noFill/>
-            <a:ln w="6350">
-              <a:noFill/>
-            </a:ln>
-          </p:spPr>
-          <p:txBody>
-            <a:bodyPr lIns="0" tIns="0" rIns="0" bIns="0" anchor="ctr" anchorCtr="false">
-              <a:spAutoFit/>
-            </a:bodyPr>
-            <a:p>
-              <a:pPr eaLnBrk="0" hangingPunct="0">
-                <a:lnSpc>
-                  <a:spcPct val="80000"/>
-                </a:lnSpc>
-                <a:spcBef>
-                  <a:spcPct val="20000"/>
-                </a:spcBef>
-                <a:buClr>
-                  <a:schemeClr val="hlink"/>
-                </a:buClr>
-                <a:buFont typeface="Wingdings" panose="05000000000000000000" pitchFamily="2" charset="2"/>
-              </a:pPr>
-              <a:r>
-                <a:rPr lang="zh-CN" altLang="en-US" sz="1200" dirty="0">
-                  <a:latin typeface="微软雅黑" panose="020B0503020204020204" charset="-122"/>
-                  <a:ea typeface="微软雅黑" panose="020B0503020204020204" charset="-122"/>
-                </a:rPr>
-                <a:t>…</a:t>
-              </a:r>
-              <a:endParaRPr lang="zh-CN" altLang="en-US" sz="1200" dirty="0">
-                <a:latin typeface="微软雅黑" panose="020B0503020204020204" charset="-122"/>
-                <a:ea typeface="微软雅黑" panose="020B0503020204020204" charset="-122"/>
               </a:endParaRPr>
             </a:p>
           </p:txBody>
@@ -14405,7 +14376,7 @@
                 <a:latin typeface="微软雅黑" panose="020B0503020204020204" charset="-122"/>
                 <a:ea typeface="微软雅黑" panose="020B0503020204020204" charset="-122"/>
               </a:rPr>
-              <a:t>。信用是通过对信用风险的发生和发展的过程发生影响来发挥其作用机制的。</a:t>
+              <a:t>。</a:t>
             </a:r>
             <a:endParaRPr lang="zh-CN" altLang="en-US" sz="2400" dirty="0">
               <a:latin typeface="微软雅黑" panose="020B0503020204020204" charset="-122"/>
@@ -18640,7 +18611,7 @@
                   <a:cs typeface="微软雅黑" panose="020B0503020204020204" charset="-122"/>
                   <a:sym typeface="+mn-ea"/>
                 </a:rPr>
-                <a:t>，确保授出信用（帐款、贷款、投资等）的安全，要在还款逾期以后运用商帐追收等各种手段对逾期信用进行追讨，力求挽回信用风险，降低损失程度。这就是信用的</a:t>
+                <a:t>，确保授出信用（账款、贷款、投资等）的安全，要在还款逾期以后运用商帐追收等各种手段对逾期信用进行追讨，力求挽回信用风险，降低损失程度。这就是信用的</a:t>
               </a:r>
               <a:r>
                 <a:rPr lang="zh-CN" altLang="en-US" dirty="0">
@@ -29536,7 +29507,7 @@
           <p:spPr bwMode="auto">
             <a:xfrm>
               <a:off x="680" y="4008"/>
-              <a:ext cx="13040" cy="4797"/>
+              <a:ext cx="13040" cy="4215"/>
             </a:xfrm>
             <a:prstGeom prst="rect">
               <a:avLst/>
@@ -29764,7 +29735,7 @@
                   <a:ea typeface="微软雅黑" panose="020B0503020204020204" charset="-122"/>
                   <a:cs typeface="+mn-cs"/>
                 </a:rPr>
-                <a:t>有关商品的各种信息；掌握更多信息的一方可以通过向信息贫乏的一方传递可靠信息而在市场中获益；买卖双方中拥有信息较少的一方会努力从另一方获取信息；市场信号显示在一定程度上可以弥补信息不对称的问题；</a:t>
+                <a:t>有关商品的各种信息；掌握更多信息的一方可以通过向信息贫乏的一方传递可靠信息而在市场中获益；买卖双方中拥有信息较少的一方会努力从另一方获取信息；</a:t>
               </a:r>
               <a:r>
                 <a:rPr kumimoji="0" lang="zh-CN" altLang="zh-CN" sz="2400" b="0" i="0" u="none" strike="noStrike" kern="1200" cap="none" spc="0" normalizeH="0" baseline="0" noProof="0" dirty="0">

--- a/files/slides/lecture_2.pptx
+++ b/files/slides/lecture_2.pptx
@@ -8698,7 +8698,7 @@
                 <a:t>某些企业不讲信用，就是因为拖欠银行贷款后往往可以受到某些行政管理部门的财政豁免、挂帐或债转股等政策的扶持，从而使其不能真正感受到失信所带来的成本损失。</a:t>
               </a:r>
               <a:r>
-                <a:rPr kumimoji="0" lang="" altLang="zh-CN" sz="2000" b="0" i="0" u="none" strike="noStrike" kern="1200" cap="none" spc="0" normalizeH="0" baseline="0" noProof="0" dirty="0">
+                <a:rPr kumimoji="0" lang="en-US" altLang="zh-CN" sz="2000" b="0" i="0" u="none" strike="noStrike" kern="1200" cap="none" spc="0" normalizeH="0" baseline="0" noProof="0" dirty="0">
                   <a:ln>
                     <a:noFill/>
                   </a:ln>
@@ -8715,7 +8715,7 @@
                 <a:t>(</a:t>
               </a:r>
               <a:r>
-                <a:rPr kumimoji="0" lang="zh-CN" altLang="" sz="2000" b="0" i="0" u="none" strike="noStrike" kern="1200" cap="none" spc="0" normalizeH="0" baseline="0" noProof="0" dirty="0">
+                <a:rPr kumimoji="0" lang="zh-CN" altLang="en-US" sz="2000" b="0" i="0" u="none" strike="noStrike" kern="1200" cap="none" spc="0" normalizeH="0" baseline="0" noProof="0" dirty="0">
                   <a:ln>
                     <a:noFill/>
                   </a:ln>
@@ -8732,7 +8732,7 @@
                 <a:t>恒大</a:t>
               </a:r>
               <a:r>
-                <a:rPr kumimoji="0" lang="" altLang="zh-CN" sz="2000" b="0" i="0" u="none" strike="noStrike" kern="1200" cap="none" spc="0" normalizeH="0" baseline="0" noProof="0" dirty="0">
+                <a:rPr kumimoji="0" lang="en-US" altLang="zh-CN" sz="2000" b="0" i="0" u="none" strike="noStrike" kern="1200" cap="none" spc="0" normalizeH="0" baseline="0" noProof="0" dirty="0">
                   <a:ln>
                     <a:noFill/>
                   </a:ln>
@@ -8748,7 +8748,7 @@
                 </a:rPr>
                 <a:t>)</a:t>
               </a:r>
-              <a:endParaRPr kumimoji="0" lang="" altLang="zh-CN" sz="2000" b="0" i="0" u="none" strike="noStrike" kern="1200" cap="none" spc="0" normalizeH="0" baseline="0" noProof="0" dirty="0">
+              <a:endParaRPr kumimoji="0" lang="en-US" altLang="zh-CN" sz="2000" b="0" i="0" u="none" strike="noStrike" kern="1200" cap="none" spc="0" normalizeH="0" baseline="0" noProof="0" dirty="0">
                 <a:ln>
                   <a:noFill/>
                 </a:ln>

--- a/files/slides/lecture_2.pptx
+++ b/files/slides/lecture_2.pptx
@@ -12070,6 +12070,30 @@
                 <a:buChar char="u"/>
                 <a:defRPr/>
               </a:pPr>
+              <a:endParaRPr kumimoji="0" lang="zh-CN" altLang="en-US" sz="2000" b="0" i="0" u="none" strike="noStrike" kern="1200" cap="none" spc="0" normalizeH="0" baseline="0" dirty="0">
+                <a:latin typeface="微软雅黑" panose="020B0503020204020204" charset="-122"/>
+                <a:ea typeface="微软雅黑" panose="020B0503020204020204" charset="-122"/>
+              </a:endParaRPr>
+            </a:p>
+            <a:p>
+              <a:pPr marL="342900" marR="0" lvl="0" indent="-342900" algn="just" defTabSz="914400" rtl="0" fontAlgn="base">
+                <a:lnSpc>
+                  <a:spcPct val="100000"/>
+                </a:lnSpc>
+                <a:spcBef>
+                  <a:spcPts val="0"/>
+                </a:spcBef>
+                <a:spcAft>
+                  <a:spcPct val="0"/>
+                </a:spcAft>
+                <a:buClr>
+                  <a:srgbClr val="9999FF"/>
+                </a:buClr>
+                <a:buSzTx/>
+                <a:buFont typeface="Wingdings" panose="05000000000000000000" pitchFamily="2" charset="2"/>
+                <a:buChar char="u"/>
+                <a:defRPr/>
+              </a:pPr>
               <a:r>
                 <a:rPr kumimoji="0" lang="zh-CN" altLang="en-US" sz="2000" b="0" i="0" u="none" strike="noStrike" kern="1200" cap="none" spc="0" normalizeH="0" baseline="0" dirty="0">
                   <a:latin typeface="微软雅黑" panose="020B0503020204020204" charset="-122"/>
@@ -29149,9 +29173,9 @@
         <p:grpSpPr>
           <a:xfrm>
             <a:off x="1819593" y="1436370"/>
-            <a:ext cx="8410575" cy="4841875"/>
+            <a:ext cx="8410575" cy="4832985"/>
             <a:chOff x="578" y="2315"/>
-            <a:chExt cx="13245" cy="7625"/>
+            <a:chExt cx="13245" cy="7611"/>
           </a:xfrm>
         </p:grpSpPr>
         <p:grpSp>
@@ -29455,7 +29479,7 @@
           </p:nvSpPr>
           <p:spPr>
             <a:xfrm>
-              <a:off x="578" y="3458"/>
+              <a:off x="578" y="3444"/>
               <a:ext cx="13245" cy="6482"/>
             </a:xfrm>
             <a:prstGeom prst="rect">
